--- a/Presentation2.pptx
+++ b/Presentation2.pptx
@@ -112,6 +112,11 @@
       </a:defRPr>
     </a:lvl9pPr>
   </p:defaultTextStyle>
+  <p:extLst>
+    <p:ext uri="{EFAFB233-063F-42B5-8137-9DF3F51BA10A}">
+      <p15:sldGuideLst xmlns:p15="http://schemas.microsoft.com/office/powerpoint/2012/main"/>
+    </p:ext>
+  </p:extLst>
 </p:presentation>
 </file>
 
@@ -246,7 +251,7 @@
           <a:p>
             <a:fld id="{3CE148B3-C8EF-4A8F-9897-5981E1827884}" type="datetimeFigureOut">
               <a:rPr lang="bg-BG" smtClean="0"/>
-              <a:t>23.5.2017 г.</a:t>
+              <a:t>24.5.2017 г.</a:t>
             </a:fld>
             <a:endParaRPr lang="bg-BG"/>
           </a:p>
@@ -416,7 +421,7 @@
           <a:p>
             <a:fld id="{3CE148B3-C8EF-4A8F-9897-5981E1827884}" type="datetimeFigureOut">
               <a:rPr lang="bg-BG" smtClean="0"/>
-              <a:t>23.5.2017 г.</a:t>
+              <a:t>24.5.2017 г.</a:t>
             </a:fld>
             <a:endParaRPr lang="bg-BG"/>
           </a:p>
@@ -596,7 +601,7 @@
           <a:p>
             <a:fld id="{3CE148B3-C8EF-4A8F-9897-5981E1827884}" type="datetimeFigureOut">
               <a:rPr lang="bg-BG" smtClean="0"/>
-              <a:t>23.5.2017 г.</a:t>
+              <a:t>24.5.2017 г.</a:t>
             </a:fld>
             <a:endParaRPr lang="bg-BG"/>
           </a:p>
@@ -766,7 +771,7 @@
           <a:p>
             <a:fld id="{3CE148B3-C8EF-4A8F-9897-5981E1827884}" type="datetimeFigureOut">
               <a:rPr lang="bg-BG" smtClean="0"/>
-              <a:t>23.5.2017 г.</a:t>
+              <a:t>24.5.2017 г.</a:t>
             </a:fld>
             <a:endParaRPr lang="bg-BG"/>
           </a:p>
@@ -1012,7 +1017,7 @@
           <a:p>
             <a:fld id="{3CE148B3-C8EF-4A8F-9897-5981E1827884}" type="datetimeFigureOut">
               <a:rPr lang="bg-BG" smtClean="0"/>
-              <a:t>23.5.2017 г.</a:t>
+              <a:t>24.5.2017 г.</a:t>
             </a:fld>
             <a:endParaRPr lang="bg-BG"/>
           </a:p>
@@ -1244,7 +1249,7 @@
           <a:p>
             <a:fld id="{3CE148B3-C8EF-4A8F-9897-5981E1827884}" type="datetimeFigureOut">
               <a:rPr lang="bg-BG" smtClean="0"/>
-              <a:t>23.5.2017 г.</a:t>
+              <a:t>24.5.2017 г.</a:t>
             </a:fld>
             <a:endParaRPr lang="bg-BG"/>
           </a:p>
@@ -1611,7 +1616,7 @@
           <a:p>
             <a:fld id="{3CE148B3-C8EF-4A8F-9897-5981E1827884}" type="datetimeFigureOut">
               <a:rPr lang="bg-BG" smtClean="0"/>
-              <a:t>23.5.2017 г.</a:t>
+              <a:t>24.5.2017 г.</a:t>
             </a:fld>
             <a:endParaRPr lang="bg-BG"/>
           </a:p>
@@ -1729,7 +1734,7 @@
           <a:p>
             <a:fld id="{3CE148B3-C8EF-4A8F-9897-5981E1827884}" type="datetimeFigureOut">
               <a:rPr lang="bg-BG" smtClean="0"/>
-              <a:t>23.5.2017 г.</a:t>
+              <a:t>24.5.2017 г.</a:t>
             </a:fld>
             <a:endParaRPr lang="bg-BG"/>
           </a:p>
@@ -1824,7 +1829,7 @@
           <a:p>
             <a:fld id="{3CE148B3-C8EF-4A8F-9897-5981E1827884}" type="datetimeFigureOut">
               <a:rPr lang="bg-BG" smtClean="0"/>
-              <a:t>23.5.2017 г.</a:t>
+              <a:t>24.5.2017 г.</a:t>
             </a:fld>
             <a:endParaRPr lang="bg-BG"/>
           </a:p>
@@ -2101,7 +2106,7 @@
           <a:p>
             <a:fld id="{3CE148B3-C8EF-4A8F-9897-5981E1827884}" type="datetimeFigureOut">
               <a:rPr lang="bg-BG" smtClean="0"/>
-              <a:t>23.5.2017 г.</a:t>
+              <a:t>24.5.2017 г.</a:t>
             </a:fld>
             <a:endParaRPr lang="bg-BG"/>
           </a:p>
@@ -2354,7 +2359,7 @@
           <a:p>
             <a:fld id="{3CE148B3-C8EF-4A8F-9897-5981E1827884}" type="datetimeFigureOut">
               <a:rPr lang="bg-BG" smtClean="0"/>
-              <a:t>23.5.2017 г.</a:t>
+              <a:t>24.5.2017 г.</a:t>
             </a:fld>
             <a:endParaRPr lang="bg-BG"/>
           </a:p>
@@ -2567,7 +2572,7 @@
           <a:p>
             <a:fld id="{3CE148B3-C8EF-4A8F-9897-5981E1827884}" type="datetimeFigureOut">
               <a:rPr lang="bg-BG" smtClean="0"/>
-              <a:t>23.5.2017 г.</a:t>
+              <a:t>24.5.2017 г.</a:t>
             </a:fld>
             <a:endParaRPr lang="bg-BG"/>
           </a:p>
@@ -3121,41 +3126,613 @@
             </p:nvSpPr>
             <p:spPr/>
             <p:txBody>
-              <a:bodyPr/>
+              <a:bodyPr>
+                <a:normAutofit fontScale="77500" lnSpcReduction="20000"/>
+              </a:bodyPr>
               <a:lstStyle/>
               <a:p>
                 <a:r>
-                  <a:rPr lang="bg-BG" dirty="0" smtClean="0"/>
+                  <a:rPr lang="bg-BG" sz="3800" dirty="0" smtClean="0"/>
                   <a:t>Намиране на ръбове, сегментация на изображение, увеличаване на контраста и намаляване на шума</a:t>
                 </a:r>
               </a:p>
               <a:p>
                 <a:r>
-                  <a:rPr lang="bg-BG" dirty="0" smtClean="0"/>
+                  <a:rPr lang="bg-BG" sz="3800" dirty="0" smtClean="0"/>
                   <a:t>Използване на модел с реакция-дифузия</a:t>
                 </a:r>
-                <a:endParaRPr lang="en-US" dirty="0" smtClean="0"/>
+                <a:endParaRPr lang="en-US" sz="3800" dirty="0" smtClean="0"/>
               </a:p>
               <a:p>
                 <a:endParaRPr lang="en-US" dirty="0"/>
               </a:p>
               <a:p>
+                <a:pPr marL="0" indent="0" algn="ctr">
+                  <a:buNone/>
+                </a:pPr>
                 <a14:m>
                   <m:oMath xmlns:m="http://schemas.openxmlformats.org/officeDocument/2006/math">
                     <m:f>
                       <m:fPr>
                         <m:ctrlPr>
-                          <a:rPr lang="bg-BG" i="1" smtClean="0">
+                          <a:rPr lang="bg-BG" sz="3600" i="1" smtClean="0">
                             <a:latin typeface="Cambria Math" panose="02040503050406030204" pitchFamily="18" charset="0"/>
+                            <a:ea typeface="Cambria Math" panose="02040503050406030204" pitchFamily="18" charset="0"/>
                           </a:rPr>
                         </m:ctrlPr>
                       </m:fPr>
-                      <m:num/>
-                      <m:den/>
+                      <m:num>
+                        <m:r>
+                          <a:rPr lang="bg-BG" sz="3600" i="1" smtClean="0">
+                            <a:latin typeface="Cambria Math" panose="02040503050406030204" pitchFamily="18" charset="0"/>
+                            <a:ea typeface="Cambria Math" panose="02040503050406030204" pitchFamily="18" charset="0"/>
+                          </a:rPr>
+                          <m:t>𝜕</m:t>
+                        </m:r>
+                        <m:r>
+                          <a:rPr lang="en-US" sz="3600" b="0" i="1" smtClean="0">
+                            <a:latin typeface="Cambria Math" panose="02040503050406030204" pitchFamily="18" charset="0"/>
+                            <a:ea typeface="Cambria Math" panose="02040503050406030204" pitchFamily="18" charset="0"/>
+                          </a:rPr>
+                          <m:t>𝑢</m:t>
+                        </m:r>
+                      </m:num>
+                      <m:den>
+                        <m:r>
+                          <a:rPr lang="bg-BG" sz="3600" i="1" smtClean="0">
+                            <a:latin typeface="Cambria Math" panose="02040503050406030204" pitchFamily="18" charset="0"/>
+                            <a:ea typeface="Cambria Math" panose="02040503050406030204" pitchFamily="18" charset="0"/>
+                          </a:rPr>
+                          <m:t>𝜕</m:t>
+                        </m:r>
+                        <m:r>
+                          <a:rPr lang="en-US" sz="3600" b="0" i="1" smtClean="0">
+                            <a:latin typeface="Cambria Math" panose="02040503050406030204" pitchFamily="18" charset="0"/>
+                            <a:ea typeface="Cambria Math" panose="02040503050406030204" pitchFamily="18" charset="0"/>
+                          </a:rPr>
+                          <m:t>𝑡</m:t>
+                        </m:r>
+                      </m:den>
                     </m:f>
+                    <m:r>
+                      <a:rPr lang="en-US" sz="3600" dirty="0">
+                        <a:latin typeface="Cambria Math" panose="02040503050406030204" pitchFamily="18" charset="0"/>
+                        <a:ea typeface="Cambria Math" panose="02040503050406030204" pitchFamily="18" charset="0"/>
+                      </a:rPr>
+                      <m:t>=</m:t>
+                    </m:r>
+                    <m:sSub>
+                      <m:sSubPr>
+                        <m:ctrlPr>
+                          <a:rPr lang="en-US" sz="3600" b="0" i="1" dirty="0" smtClean="0">
+                            <a:latin typeface="Cambria Math" panose="02040503050406030204" pitchFamily="18" charset="0"/>
+                            <a:ea typeface="Cambria Math" panose="02040503050406030204" pitchFamily="18" charset="0"/>
+                          </a:rPr>
+                        </m:ctrlPr>
+                      </m:sSubPr>
+                      <m:e>
+                        <m:r>
+                          <a:rPr lang="en-US" sz="3600" b="0" i="1" dirty="0" smtClean="0">
+                            <a:latin typeface="Cambria Math" panose="02040503050406030204" pitchFamily="18" charset="0"/>
+                            <a:ea typeface="Cambria Math" panose="02040503050406030204" pitchFamily="18" charset="0"/>
+                          </a:rPr>
+                          <m:t>𝐷</m:t>
+                        </m:r>
+                      </m:e>
+                      <m:sub>
+                        <m:r>
+                          <a:rPr lang="en-US" sz="3600" b="0" i="1" dirty="0" smtClean="0">
+                            <a:latin typeface="Cambria Math" panose="02040503050406030204" pitchFamily="18" charset="0"/>
+                            <a:ea typeface="Cambria Math" panose="02040503050406030204" pitchFamily="18" charset="0"/>
+                          </a:rPr>
+                          <m:t>𝑢</m:t>
+                        </m:r>
+                      </m:sub>
+                    </m:sSub>
+                    <m:sSup>
+                      <m:sSupPr>
+                        <m:ctrlPr>
+                          <a:rPr lang="bg-BG" sz="3600" i="1" smtClean="0">
+                            <a:latin typeface="Cambria Math" panose="02040503050406030204" pitchFamily="18" charset="0"/>
+                            <a:ea typeface="Cambria Math" panose="02040503050406030204" pitchFamily="18" charset="0"/>
+                          </a:rPr>
+                        </m:ctrlPr>
+                      </m:sSupPr>
+                      <m:e>
+                        <m:r>
+                          <m:rPr>
+                            <m:nor/>
+                          </m:rPr>
+                          <a:rPr lang="bg-BG" sz="3600">
+                            <a:latin typeface="Cambria Math" panose="02040503050406030204" pitchFamily="18" charset="0"/>
+                            <a:ea typeface="Cambria Math" panose="02040503050406030204" pitchFamily="18" charset="0"/>
+                          </a:rPr>
+                          <m:t>∇</m:t>
+                        </m:r>
+                      </m:e>
+                      <m:sup>
+                        <m:r>
+                          <a:rPr lang="en-US" sz="3600" b="0" i="1" smtClean="0">
+                            <a:latin typeface="Cambria Math" panose="02040503050406030204" pitchFamily="18" charset="0"/>
+                            <a:ea typeface="Cambria Math" panose="02040503050406030204" pitchFamily="18" charset="0"/>
+                          </a:rPr>
+                          <m:t>2</m:t>
+                        </m:r>
+                      </m:sup>
+                    </m:sSup>
                   </m:oMath>
                 </a14:m>
-                <a:endParaRPr lang="bg-BG" dirty="0"/>
+                <a:r>
+                  <a:rPr lang="en-US" sz="3600" dirty="0" smtClean="0">
+                    <a:latin typeface="Cambria Math" panose="02040503050406030204" pitchFamily="18" charset="0"/>
+                    <a:ea typeface="Cambria Math" panose="02040503050406030204" pitchFamily="18" charset="0"/>
+                  </a:rPr>
+                  <a:t>u + </a:t>
+                </a:r>
+                <a14:m>
+                  <m:oMath xmlns:m="http://schemas.openxmlformats.org/officeDocument/2006/math">
+                    <m:f>
+                      <m:fPr>
+                        <m:ctrlPr>
+                          <a:rPr lang="en-US" sz="3600" i="1" smtClean="0">
+                            <a:latin typeface="Cambria Math" panose="02040503050406030204" pitchFamily="18" charset="0"/>
+                            <a:ea typeface="Cambria Math" panose="02040503050406030204" pitchFamily="18" charset="0"/>
+                          </a:rPr>
+                        </m:ctrlPr>
+                      </m:fPr>
+                      <m:num>
+                        <m:r>
+                          <a:rPr lang="en-US" sz="3600" b="0" i="1" smtClean="0">
+                            <a:latin typeface="Cambria Math" panose="02040503050406030204" pitchFamily="18" charset="0"/>
+                            <a:ea typeface="Cambria Math" panose="02040503050406030204" pitchFamily="18" charset="0"/>
+                          </a:rPr>
+                          <m:t>1</m:t>
+                        </m:r>
+                      </m:num>
+                      <m:den>
+                        <m:r>
+                          <a:rPr lang="en-US" sz="3600" i="1" smtClean="0">
+                            <a:latin typeface="Cambria Math" panose="02040503050406030204" pitchFamily="18" charset="0"/>
+                            <a:ea typeface="Cambria Math" panose="02040503050406030204" pitchFamily="18" charset="0"/>
+                          </a:rPr>
+                          <m:t>𝜀</m:t>
+                        </m:r>
+                      </m:den>
+                    </m:f>
+                    <m:r>
+                      <a:rPr lang="en-US" sz="3600" dirty="0">
+                        <a:latin typeface="Cambria Math" panose="02040503050406030204" pitchFamily="18" charset="0"/>
+                        <a:ea typeface="Cambria Math" panose="02040503050406030204" pitchFamily="18" charset="0"/>
+                      </a:rPr>
+                      <m:t>∙</m:t>
+                    </m:r>
+                    <m:r>
+                      <m:rPr>
+                        <m:sty m:val="p"/>
+                      </m:rPr>
+                      <a:rPr lang="en-US" sz="3600" b="0" i="0" dirty="0" smtClean="0">
+                        <a:latin typeface="Cambria Math" panose="02040503050406030204" pitchFamily="18" charset="0"/>
+                        <a:ea typeface="Cambria Math" panose="02040503050406030204" pitchFamily="18" charset="0"/>
+                      </a:rPr>
+                      <m:t>u</m:t>
+                    </m:r>
+                    <m:d>
+                      <m:dPr>
+                        <m:ctrlPr>
+                          <a:rPr lang="en-US" sz="3600" b="0" i="0" dirty="0" smtClean="0">
+                            <a:latin typeface="Cambria Math" panose="02040503050406030204" pitchFamily="18" charset="0"/>
+                            <a:ea typeface="Cambria Math" panose="02040503050406030204" pitchFamily="18" charset="0"/>
+                          </a:rPr>
+                        </m:ctrlPr>
+                      </m:dPr>
+                      <m:e>
+                        <m:r>
+                          <a:rPr lang="en-US" sz="3600" b="0" i="0" dirty="0" smtClean="0">
+                            <a:latin typeface="Cambria Math" panose="02040503050406030204" pitchFamily="18" charset="0"/>
+                            <a:ea typeface="Cambria Math" panose="02040503050406030204" pitchFamily="18" charset="0"/>
+                          </a:rPr>
+                          <m:t>1−</m:t>
+                        </m:r>
+                        <m:r>
+                          <m:rPr>
+                            <m:sty m:val="p"/>
+                          </m:rPr>
+                          <a:rPr lang="en-US" sz="3600" b="0" i="0" dirty="0" smtClean="0">
+                            <a:latin typeface="Cambria Math" panose="02040503050406030204" pitchFamily="18" charset="0"/>
+                            <a:ea typeface="Cambria Math" panose="02040503050406030204" pitchFamily="18" charset="0"/>
+                          </a:rPr>
+                          <m:t>u</m:t>
+                        </m:r>
+                      </m:e>
+                    </m:d>
+                    <m:d>
+                      <m:dPr>
+                        <m:ctrlPr>
+                          <a:rPr lang="en-US" sz="3600" b="0" i="0" dirty="0" smtClean="0">
+                            <a:latin typeface="Cambria Math" panose="02040503050406030204" pitchFamily="18" charset="0"/>
+                            <a:ea typeface="Cambria Math" panose="02040503050406030204" pitchFamily="18" charset="0"/>
+                          </a:rPr>
+                        </m:ctrlPr>
+                      </m:dPr>
+                      <m:e>
+                        <m:r>
+                          <m:rPr>
+                            <m:sty m:val="p"/>
+                          </m:rPr>
+                          <a:rPr lang="en-US" sz="3600" b="0" i="0" dirty="0" smtClean="0">
+                            <a:latin typeface="Cambria Math" panose="02040503050406030204" pitchFamily="18" charset="0"/>
+                            <a:ea typeface="Cambria Math" panose="02040503050406030204" pitchFamily="18" charset="0"/>
+                          </a:rPr>
+                          <m:t>u</m:t>
+                        </m:r>
+                        <m:r>
+                          <a:rPr lang="en-US" sz="3600" b="0" i="0" dirty="0" smtClean="0">
+                            <a:latin typeface="Cambria Math" panose="02040503050406030204" pitchFamily="18" charset="0"/>
+                            <a:ea typeface="Cambria Math" panose="02040503050406030204" pitchFamily="18" charset="0"/>
+                          </a:rPr>
+                          <m:t>−</m:t>
+                        </m:r>
+                        <m:r>
+                          <m:rPr>
+                            <m:sty m:val="p"/>
+                          </m:rPr>
+                          <a:rPr lang="en-US" sz="3600" b="0" i="0" dirty="0" smtClean="0">
+                            <a:latin typeface="Cambria Math" panose="02040503050406030204" pitchFamily="18" charset="0"/>
+                            <a:ea typeface="Cambria Math" panose="02040503050406030204" pitchFamily="18" charset="0"/>
+                          </a:rPr>
+                          <m:t>a</m:t>
+                        </m:r>
+                      </m:e>
+                    </m:d>
+                    <m:r>
+                      <a:rPr lang="en-US" sz="3600" b="0" i="0" dirty="0" smtClean="0">
+                        <a:latin typeface="Cambria Math" panose="02040503050406030204" pitchFamily="18" charset="0"/>
+                        <a:ea typeface="Cambria Math" panose="02040503050406030204" pitchFamily="18" charset="0"/>
+                      </a:rPr>
+                      <m:t>−</m:t>
+                    </m:r>
+                    <m:r>
+                      <m:rPr>
+                        <m:sty m:val="p"/>
+                      </m:rPr>
+                      <a:rPr lang="en-US" sz="3600" b="0" i="0" dirty="0" smtClean="0">
+                        <a:latin typeface="Cambria Math" panose="02040503050406030204" pitchFamily="18" charset="0"/>
+                        <a:ea typeface="Cambria Math" panose="02040503050406030204" pitchFamily="18" charset="0"/>
+                      </a:rPr>
+                      <m:t>v</m:t>
+                    </m:r>
+                  </m:oMath>
+                </a14:m>
+                <a:endParaRPr lang="en-US" sz="3600" dirty="0" smtClean="0">
+                  <a:latin typeface="Cambria Math" panose="02040503050406030204" pitchFamily="18" charset="0"/>
+                  <a:ea typeface="Cambria Math" panose="02040503050406030204" pitchFamily="18" charset="0"/>
+                </a:endParaRPr>
+              </a:p>
+              <a:p>
+                <a:pPr marL="0" indent="0" algn="ctr">
+                  <a:buNone/>
+                </a:pPr>
+                <a14:m>
+                  <m:oMathPara xmlns:m="http://schemas.openxmlformats.org/officeDocument/2006/math">
+                    <m:oMathParaPr>
+                      <m:jc m:val="centerGroup"/>
+                    </m:oMathParaPr>
+                    <m:oMath xmlns:m="http://schemas.openxmlformats.org/officeDocument/2006/math">
+                      <m:f>
+                        <m:fPr>
+                          <m:ctrlPr>
+                            <a:rPr lang="bg-BG" sz="3600" i="1">
+                              <a:latin typeface="Cambria Math" panose="02040503050406030204" pitchFamily="18" charset="0"/>
+                              <a:ea typeface="Cambria Math" panose="02040503050406030204" pitchFamily="18" charset="0"/>
+                            </a:rPr>
+                          </m:ctrlPr>
+                        </m:fPr>
+                        <m:num>
+                          <m:r>
+                            <a:rPr lang="bg-BG" sz="3600" i="1">
+                              <a:latin typeface="Cambria Math" panose="02040503050406030204" pitchFamily="18" charset="0"/>
+                              <a:ea typeface="Cambria Math" panose="02040503050406030204" pitchFamily="18" charset="0"/>
+                            </a:rPr>
+                            <m:t>𝜕</m:t>
+                          </m:r>
+                          <m:r>
+                            <a:rPr lang="en-US" sz="3600" b="0" i="1" smtClean="0">
+                              <a:latin typeface="Cambria Math" panose="02040503050406030204" pitchFamily="18" charset="0"/>
+                              <a:ea typeface="Cambria Math" panose="02040503050406030204" pitchFamily="18" charset="0"/>
+                            </a:rPr>
+                            <m:t>𝑣</m:t>
+                          </m:r>
+                        </m:num>
+                        <m:den>
+                          <m:r>
+                            <a:rPr lang="bg-BG" sz="3600" i="1">
+                              <a:latin typeface="Cambria Math" panose="02040503050406030204" pitchFamily="18" charset="0"/>
+                              <a:ea typeface="Cambria Math" panose="02040503050406030204" pitchFamily="18" charset="0"/>
+                            </a:rPr>
+                            <m:t>𝜕</m:t>
+                          </m:r>
+                          <m:r>
+                            <a:rPr lang="en-US" sz="3600" i="1">
+                              <a:latin typeface="Cambria Math" panose="02040503050406030204" pitchFamily="18" charset="0"/>
+                              <a:ea typeface="Cambria Math" panose="02040503050406030204" pitchFamily="18" charset="0"/>
+                            </a:rPr>
+                            <m:t>𝑡</m:t>
+                          </m:r>
+                        </m:den>
+                      </m:f>
+                      <m:r>
+                        <a:rPr lang="en-US" sz="3600" dirty="0">
+                          <a:latin typeface="Cambria Math" panose="02040503050406030204" pitchFamily="18" charset="0"/>
+                          <a:ea typeface="Cambria Math" panose="02040503050406030204" pitchFamily="18" charset="0"/>
+                        </a:rPr>
+                        <m:t>=</m:t>
+                      </m:r>
+                      <m:sSub>
+                        <m:sSubPr>
+                          <m:ctrlPr>
+                            <a:rPr lang="en-US" sz="3600" i="1" dirty="0">
+                              <a:latin typeface="Cambria Math" panose="02040503050406030204" pitchFamily="18" charset="0"/>
+                              <a:ea typeface="Cambria Math" panose="02040503050406030204" pitchFamily="18" charset="0"/>
+                            </a:rPr>
+                          </m:ctrlPr>
+                        </m:sSubPr>
+                        <m:e>
+                          <m:r>
+                            <a:rPr lang="en-US" sz="3600" i="1" dirty="0">
+                              <a:latin typeface="Cambria Math" panose="02040503050406030204" pitchFamily="18" charset="0"/>
+                              <a:ea typeface="Cambria Math" panose="02040503050406030204" pitchFamily="18" charset="0"/>
+                            </a:rPr>
+                            <m:t>𝐷</m:t>
+                          </m:r>
+                        </m:e>
+                        <m:sub>
+                          <m:r>
+                            <a:rPr lang="en-US" sz="3600" b="0" i="1" dirty="0" smtClean="0">
+                              <a:latin typeface="Cambria Math" panose="02040503050406030204" pitchFamily="18" charset="0"/>
+                              <a:ea typeface="Cambria Math" panose="02040503050406030204" pitchFamily="18" charset="0"/>
+                            </a:rPr>
+                            <m:t>𝑣</m:t>
+                          </m:r>
+                        </m:sub>
+                      </m:sSub>
+                      <m:sSup>
+                        <m:sSupPr>
+                          <m:ctrlPr>
+                            <a:rPr lang="bg-BG" sz="3600" i="1">
+                              <a:latin typeface="Cambria Math" panose="02040503050406030204" pitchFamily="18" charset="0"/>
+                              <a:ea typeface="Cambria Math" panose="02040503050406030204" pitchFamily="18" charset="0"/>
+                            </a:rPr>
+                          </m:ctrlPr>
+                        </m:sSupPr>
+                        <m:e>
+                          <m:r>
+                            <m:rPr>
+                              <m:nor/>
+                            </m:rPr>
+                            <a:rPr lang="bg-BG" sz="3600">
+                              <a:latin typeface="Cambria Math" panose="02040503050406030204" pitchFamily="18" charset="0"/>
+                              <a:ea typeface="Cambria Math" panose="02040503050406030204" pitchFamily="18" charset="0"/>
+                            </a:rPr>
+                            <m:t>∇</m:t>
+                          </m:r>
+                        </m:e>
+                        <m:sup>
+                          <m:r>
+                            <a:rPr lang="en-US" sz="3600" i="1">
+                              <a:latin typeface="Cambria Math" panose="02040503050406030204" pitchFamily="18" charset="0"/>
+                              <a:ea typeface="Cambria Math" panose="02040503050406030204" pitchFamily="18" charset="0"/>
+                            </a:rPr>
+                            <m:t>2</m:t>
+                          </m:r>
+                        </m:sup>
+                      </m:sSup>
+                      <m:r>
+                        <a:rPr lang="en-US" sz="3600" b="0" i="1" smtClean="0">
+                          <a:latin typeface="Cambria Math" panose="02040503050406030204" pitchFamily="18" charset="0"/>
+                          <a:ea typeface="Cambria Math" panose="02040503050406030204" pitchFamily="18" charset="0"/>
+                        </a:rPr>
+                        <m:t>𝑣</m:t>
+                      </m:r>
+                      <m:r>
+                        <m:rPr>
+                          <m:nor/>
+                        </m:rPr>
+                        <a:rPr lang="en-US" sz="3600" dirty="0">
+                          <a:latin typeface="Cambria Math" panose="02040503050406030204" pitchFamily="18" charset="0"/>
+                          <a:ea typeface="Cambria Math" panose="02040503050406030204" pitchFamily="18" charset="0"/>
+                        </a:rPr>
+                        <m:t>+ </m:t>
+                      </m:r>
+                      <m:r>
+                        <m:rPr>
+                          <m:nor/>
+                        </m:rPr>
+                        <a:rPr lang="en-US" sz="3600" dirty="0">
+                          <a:latin typeface="Cambria Math" panose="02040503050406030204" pitchFamily="18" charset="0"/>
+                          <a:ea typeface="Cambria Math" panose="02040503050406030204" pitchFamily="18" charset="0"/>
+                        </a:rPr>
+                        <m:t>u</m:t>
+                      </m:r>
+                      <m:r>
+                        <m:rPr>
+                          <m:nor/>
+                        </m:rPr>
+                        <a:rPr lang="en-US" sz="3600" dirty="0">
+                          <a:latin typeface="Cambria Math" panose="02040503050406030204" pitchFamily="18" charset="0"/>
+                          <a:ea typeface="Cambria Math" panose="02040503050406030204" pitchFamily="18" charset="0"/>
+                        </a:rPr>
+                        <m:t>-</m:t>
+                      </m:r>
+                      <m:r>
+                        <m:rPr>
+                          <m:nor/>
+                        </m:rPr>
+                        <a:rPr lang="en-US" sz="3600" dirty="0">
+                          <a:latin typeface="Cambria Math" panose="02040503050406030204" pitchFamily="18" charset="0"/>
+                          <a:ea typeface="Cambria Math" panose="02040503050406030204" pitchFamily="18" charset="0"/>
+                        </a:rPr>
+                        <m:t>bv</m:t>
+                      </m:r>
+                    </m:oMath>
+                  </m:oMathPara>
+                </a14:m>
+                <a:endParaRPr lang="bg-BG" sz="3600" dirty="0" smtClean="0">
+                  <a:latin typeface="Cambria Math" panose="02040503050406030204" pitchFamily="18" charset="0"/>
+                  <a:ea typeface="Cambria Math" panose="02040503050406030204" pitchFamily="18" charset="0"/>
+                </a:endParaRPr>
+              </a:p>
+              <a:p>
+                <a:r>
+                  <a:rPr lang="en-US" sz="4100" dirty="0">
+                    <a:ea typeface="Cambria Math" panose="02040503050406030204" pitchFamily="18" charset="0"/>
+                  </a:rPr>
+                  <a:t>u</a:t>
+                </a:r>
+                <a:r>
+                  <a:rPr lang="en-US" sz="4100" dirty="0" smtClean="0">
+                    <a:ea typeface="Cambria Math" panose="02040503050406030204" pitchFamily="18" charset="0"/>
+                  </a:rPr>
+                  <a:t> </a:t>
+                </a:r>
+                <a:r>
+                  <a:rPr lang="bg-BG" sz="4100" dirty="0" smtClean="0">
+                    <a:ea typeface="Cambria Math" panose="02040503050406030204" pitchFamily="18" charset="0"/>
+                  </a:rPr>
+                  <a:t>и </a:t>
+                </a:r>
+                <a:r>
+                  <a:rPr lang="en-US" sz="4100" dirty="0" smtClean="0">
+                    <a:ea typeface="Cambria Math" panose="02040503050406030204" pitchFamily="18" charset="0"/>
+                  </a:rPr>
+                  <a:t>v </a:t>
+                </a:r>
+                <a:r>
+                  <a:rPr lang="bg-BG" sz="4100" dirty="0" smtClean="0">
+                    <a:ea typeface="Cambria Math" panose="02040503050406030204" pitchFamily="18" charset="0"/>
+                  </a:rPr>
+                  <a:t>са концентрациите на активатор и </a:t>
+                </a:r>
+                <a:r>
+                  <a:rPr lang="bg-BG" sz="4100" dirty="0" err="1" smtClean="0">
+                    <a:ea typeface="Cambria Math" panose="02040503050406030204" pitchFamily="18" charset="0"/>
+                  </a:rPr>
+                  <a:t>инхибитор</a:t>
+                </a:r>
+                <a:endParaRPr lang="bg-BG" sz="4100" dirty="0" smtClean="0">
+                  <a:ea typeface="Cambria Math" panose="02040503050406030204" pitchFamily="18" charset="0"/>
+                </a:endParaRPr>
+              </a:p>
+              <a:p>
+                <a14:m>
+                  <m:oMath xmlns:m="http://schemas.openxmlformats.org/officeDocument/2006/math">
+                    <m:sSub>
+                      <m:sSubPr>
+                        <m:ctrlPr>
+                          <a:rPr lang="en-US" sz="4100" i="1" dirty="0">
+                            <a:ea typeface="Cambria Math" panose="02040503050406030204" pitchFamily="18" charset="0"/>
+                          </a:rPr>
+                        </m:ctrlPr>
+                      </m:sSubPr>
+                      <m:e>
+                        <m:r>
+                          <a:rPr lang="en-US" sz="4100" i="1" dirty="0">
+                            <a:ea typeface="Cambria Math" panose="02040503050406030204" pitchFamily="18" charset="0"/>
+                          </a:rPr>
+                          <m:t>𝐷</m:t>
+                        </m:r>
+                      </m:e>
+                      <m:sub>
+                        <m:r>
+                          <a:rPr lang="en-US" sz="4100" i="1" dirty="0">
+                            <a:ea typeface="Cambria Math" panose="02040503050406030204" pitchFamily="18" charset="0"/>
+                          </a:rPr>
+                          <m:t>𝑢</m:t>
+                        </m:r>
+                      </m:sub>
+                    </m:sSub>
+                  </m:oMath>
+                </a14:m>
+                <a:r>
+                  <a:rPr lang="en-US" sz="4100" dirty="0" smtClean="0">
+                    <a:ea typeface="Cambria Math" panose="02040503050406030204" pitchFamily="18" charset="0"/>
+                  </a:rPr>
+                  <a:t> </a:t>
+                </a:r>
+                <a:r>
+                  <a:rPr lang="bg-BG" sz="4100" dirty="0" smtClean="0">
+                    <a:ea typeface="Cambria Math" panose="02040503050406030204" pitchFamily="18" charset="0"/>
+                  </a:rPr>
+                  <a:t>и </a:t>
+                </a:r>
+                <a14:m>
+                  <m:oMath xmlns:m="http://schemas.openxmlformats.org/officeDocument/2006/math">
+                    <m:sSub>
+                      <m:sSubPr>
+                        <m:ctrlPr>
+                          <a:rPr lang="en-US" sz="4100" i="1" dirty="0">
+                            <a:ea typeface="Cambria Math" panose="02040503050406030204" pitchFamily="18" charset="0"/>
+                          </a:rPr>
+                        </m:ctrlPr>
+                      </m:sSubPr>
+                      <m:e>
+                        <m:r>
+                          <a:rPr lang="en-US" sz="4100" i="1" dirty="0">
+                            <a:ea typeface="Cambria Math" panose="02040503050406030204" pitchFamily="18" charset="0"/>
+                          </a:rPr>
+                          <m:t>𝐷</m:t>
+                        </m:r>
+                      </m:e>
+                      <m:sub>
+                        <m:r>
+                          <a:rPr lang="en-US" sz="4100" i="1" dirty="0">
+                            <a:ea typeface="Cambria Math" panose="02040503050406030204" pitchFamily="18" charset="0"/>
+                          </a:rPr>
+                          <m:t>𝑣</m:t>
+                        </m:r>
+                      </m:sub>
+                    </m:sSub>
+                  </m:oMath>
+                </a14:m>
+                <a:r>
+                  <a:rPr lang="en-US" sz="4100" dirty="0" smtClean="0">
+                    <a:ea typeface="Cambria Math" panose="02040503050406030204" pitchFamily="18" charset="0"/>
+                  </a:rPr>
+                  <a:t> </a:t>
+                </a:r>
+                <a:r>
+                  <a:rPr lang="bg-BG" sz="4100" dirty="0" smtClean="0">
+                    <a:ea typeface="Cambria Math" panose="02040503050406030204" pitchFamily="18" charset="0"/>
+                  </a:rPr>
+                  <a:t>са коефициенти на дифузия</a:t>
+                </a:r>
+              </a:p>
+              <a:p>
+                <a:r>
+                  <a:rPr lang="en-US" sz="4100" dirty="0" smtClean="0">
+                    <a:ea typeface="Cambria Math" panose="02040503050406030204" pitchFamily="18" charset="0"/>
+                  </a:rPr>
+                  <a:t>(0 &lt; </a:t>
+                </a:r>
+                <a14:m>
+                  <m:oMath xmlns:m="http://schemas.openxmlformats.org/officeDocument/2006/math">
+                    <m:r>
+                      <a:rPr lang="en-US" sz="4100" i="1" smtClean="0">
+                        <a:latin typeface="Cambria Math" panose="02040503050406030204" pitchFamily="18" charset="0"/>
+                        <a:ea typeface="Cambria Math" panose="02040503050406030204" pitchFamily="18" charset="0"/>
+                      </a:rPr>
+                      <m:t>𝜀</m:t>
+                    </m:r>
+                  </m:oMath>
+                </a14:m>
+                <a:r>
+                  <a:rPr lang="en-US" sz="4100" dirty="0" smtClean="0">
+                    <a:ea typeface="Cambria Math" panose="02040503050406030204" pitchFamily="18" charset="0"/>
+                  </a:rPr>
+                  <a:t> &lt; 1), (0 &lt; a &lt; 0.5), b&gt;0</a:t>
+                </a:r>
+                <a:endParaRPr lang="bg-BG" sz="4100" dirty="0">
+                  <a:ea typeface="Cambria Math" panose="02040503050406030204" pitchFamily="18" charset="0"/>
+                </a:endParaRPr>
               </a:p>
             </p:txBody>
           </p:sp>
@@ -3175,7 +3752,7 @@
               <a:blipFill>
                 <a:blip r:embed="rId2"/>
                 <a:stretch>
-                  <a:fillRect l="-1043" t="-2241" r="-116"/>
+                  <a:fillRect l="-1333" t="-4062" b="-1961"/>
                 </a:stretch>
               </a:blipFill>
             </p:spPr>
@@ -3248,7 +3825,7 @@
           <a:p>
             <a:r>
               <a:rPr lang="bg-BG" dirty="0" smtClean="0"/>
-              <a:t>Прогрес до първата презентация</a:t>
+              <a:t>Постановка на задачата</a:t>
             </a:r>
             <a:endParaRPr lang="bg-BG" dirty="0"/>
           </a:p>
@@ -3266,33 +3843,35 @@
         </p:nvSpPr>
         <p:spPr/>
         <p:txBody>
-          <a:bodyPr/>
-          <a:lstStyle/>
-          <a:p>
-            <a:r>
-              <a:rPr lang="bg-BG" dirty="0" smtClean="0"/>
+          <a:bodyPr>
+            <a:normAutofit/>
+          </a:bodyPr>
+          <a:lstStyle/>
+          <a:p>
+            <a:r>
+              <a:rPr lang="bg-BG" sz="3200" dirty="0" smtClean="0"/>
               <a:t>Запознаване с отделните компоненти на реакционно-дифузния модел</a:t>
             </a:r>
           </a:p>
           <a:p>
             <a:pPr lvl="1"/>
             <a:r>
-              <a:rPr lang="bg-BG" dirty="0" smtClean="0"/>
+              <a:rPr lang="bg-BG" sz="2800" dirty="0" smtClean="0"/>
               <a:t>Реакция: </a:t>
             </a:r>
             <a:r>
-              <a:rPr lang="bg-BG" dirty="0" err="1" smtClean="0"/>
+              <a:rPr lang="bg-BG" sz="2800" dirty="0" err="1" smtClean="0"/>
               <a:t>инхибитор</a:t>
             </a:r>
             <a:r>
-              <a:rPr lang="bg-BG" dirty="0" smtClean="0"/>
+              <a:rPr lang="bg-BG" sz="2800" dirty="0" smtClean="0"/>
               <a:t>, активатор, числено решаване</a:t>
             </a:r>
           </a:p>
           <a:p>
             <a:pPr lvl="1"/>
             <a:r>
-              <a:rPr lang="bg-BG" dirty="0" smtClean="0"/>
+              <a:rPr lang="bg-BG" sz="2800" dirty="0" smtClean="0"/>
               <a:t>Дифузия: основни закони, коефициенти, числено решаване</a:t>
             </a:r>
           </a:p>
@@ -3304,19 +3883,19 @@
           </a:p>
           <a:p>
             <a:r>
-              <a:rPr lang="bg-BG" dirty="0" smtClean="0"/>
+              <a:rPr lang="bg-BG" sz="3200" dirty="0" smtClean="0"/>
               <a:t>Имплементация на дифузията в </a:t>
             </a:r>
             <a:r>
-              <a:rPr lang="en-US" dirty="0" smtClean="0"/>
+              <a:rPr lang="en-US" sz="3200" dirty="0" smtClean="0"/>
               <a:t>1</a:t>
             </a:r>
             <a:r>
-              <a:rPr lang="bg-BG" dirty="0" smtClean="0"/>
+              <a:rPr lang="bg-BG" sz="3200" dirty="0" smtClean="0"/>
               <a:t> измерение (</a:t>
             </a:r>
             <a:r>
-              <a:rPr lang="en-US" dirty="0" smtClean="0"/>
+              <a:rPr lang="en-US" sz="3200" dirty="0" smtClean="0"/>
               <a:t>MATLAB)</a:t>
             </a:r>
           </a:p>
@@ -3376,7 +3955,11 @@
           <a:p>
             <a:r>
               <a:rPr lang="bg-BG" dirty="0" smtClean="0"/>
-              <a:t>Прогрес след първата презентация</a:t>
+              <a:t>Прогрес </a:t>
+            </a:r>
+            <a:r>
+              <a:rPr lang="bg-BG" dirty="0" smtClean="0"/>
+              <a:t>до момента</a:t>
             </a:r>
             <a:endParaRPr lang="bg-BG" dirty="0"/>
           </a:p>
@@ -3398,54 +3981,54 @@
           <a:lstStyle/>
           <a:p>
             <a:r>
-              <a:rPr lang="bg-BG" dirty="0" smtClean="0"/>
+              <a:rPr lang="bg-BG" sz="3200" dirty="0" smtClean="0"/>
               <a:t>Имплементация на дифузията в 2 измерения </a:t>
             </a:r>
             <a:r>
-              <a:rPr lang="en-US" dirty="0" smtClean="0"/>
+              <a:rPr lang="en-US" sz="3200" dirty="0" smtClean="0"/>
               <a:t>(MATLAB)</a:t>
             </a:r>
           </a:p>
           <a:p>
             <a:pPr lvl="1"/>
             <a:r>
-              <a:rPr lang="bg-BG" dirty="0" smtClean="0"/>
+              <a:rPr lang="bg-BG" sz="2800" dirty="0" smtClean="0"/>
               <a:t>Обработка на изображения с чиста дифузия (изчистване на шума и </a:t>
             </a:r>
             <a:r>
-              <a:rPr lang="en-US" dirty="0" smtClean="0"/>
+              <a:rPr lang="en-US" sz="2800" dirty="0" smtClean="0"/>
               <a:t>blur)</a:t>
             </a:r>
-            <a:endParaRPr lang="bg-BG" dirty="0"/>
-          </a:p>
-          <a:p>
-            <a:r>
-              <a:rPr lang="bg-BG" dirty="0" smtClean="0"/>
+            <a:endParaRPr lang="bg-BG" sz="2800" dirty="0"/>
+          </a:p>
+          <a:p>
+            <a:r>
+              <a:rPr lang="bg-BG" sz="3200" dirty="0" smtClean="0"/>
               <a:t>Извеждане на </a:t>
             </a:r>
             <a:r>
-              <a:rPr lang="bg-BG" dirty="0" err="1" smtClean="0"/>
+              <a:rPr lang="bg-BG" sz="3200" dirty="0" err="1" smtClean="0"/>
               <a:t>диференчна</a:t>
             </a:r>
             <a:r>
-              <a:rPr lang="bg-BG" dirty="0" smtClean="0"/>
+              <a:rPr lang="bg-BG" sz="3200" dirty="0" smtClean="0"/>
               <a:t> схема за реакцията</a:t>
             </a:r>
           </a:p>
           <a:p>
             <a:r>
-              <a:rPr lang="bg-BG" dirty="0" smtClean="0"/>
+              <a:rPr lang="bg-BG" sz="3200" dirty="0" smtClean="0"/>
               <a:t>Първи тестове с</a:t>
             </a:r>
             <a:r>
-              <a:rPr lang="en-US" dirty="0" smtClean="0"/>
+              <a:rPr lang="en-US" sz="3200" dirty="0" smtClean="0"/>
               <a:t> </a:t>
             </a:r>
             <a:r>
-              <a:rPr lang="bg-BG" dirty="0" smtClean="0"/>
+              <a:rPr lang="bg-BG" sz="3200" dirty="0" smtClean="0"/>
               <a:t>реакционно-дифузен модел</a:t>
             </a:r>
-            <a:endParaRPr lang="bg-BG" dirty="0"/>
+            <a:endParaRPr lang="bg-BG" sz="3200" dirty="0"/>
           </a:p>
         </p:txBody>
       </p:sp>
@@ -3637,6 +4220,192 @@
           </a:p>
         </p:txBody>
       </p:sp>
+      <mc:AlternateContent xmlns:mc="http://schemas.openxmlformats.org/markup-compatibility/2006">
+        <mc:Choice xmlns:a14="http://schemas.microsoft.com/office/drawing/2010/main" Requires="a14">
+          <p:sp>
+            <p:nvSpPr>
+              <p:cNvPr id="3" name="Rectangle 2"/>
+              <p:cNvSpPr/>
+              <p:nvPr/>
+            </p:nvSpPr>
+            <p:spPr>
+              <a:xfrm>
+                <a:off x="4485280" y="2883955"/>
+                <a:ext cx="2747663" cy="906915"/>
+              </a:xfrm>
+              <a:prstGeom prst="rect">
+                <a:avLst/>
+              </a:prstGeom>
+            </p:spPr>
+            <p:txBody>
+              <a:bodyPr wrap="square">
+                <a:spAutoFit/>
+              </a:bodyPr>
+              <a:lstStyle/>
+              <a:p>
+                <a14:m>
+                  <m:oMath xmlns:m="http://schemas.openxmlformats.org/officeDocument/2006/math">
+                    <m:f>
+                      <m:fPr>
+                        <m:ctrlPr>
+                          <a:rPr lang="bg-BG" sz="3600" i="1">
+                            <a:latin typeface="Cambria Math" panose="02040503050406030204" pitchFamily="18" charset="0"/>
+                            <a:ea typeface="Cambria Math" panose="02040503050406030204" pitchFamily="18" charset="0"/>
+                          </a:rPr>
+                        </m:ctrlPr>
+                      </m:fPr>
+                      <m:num>
+                        <m:r>
+                          <a:rPr lang="bg-BG" sz="3600" i="1">
+                            <a:latin typeface="Cambria Math" panose="02040503050406030204" pitchFamily="18" charset="0"/>
+                            <a:ea typeface="Cambria Math" panose="02040503050406030204" pitchFamily="18" charset="0"/>
+                          </a:rPr>
+                          <m:t>𝜕</m:t>
+                        </m:r>
+                        <m:r>
+                          <a:rPr lang="en-US" sz="3600" i="1">
+                            <a:latin typeface="Cambria Math" panose="02040503050406030204" pitchFamily="18" charset="0"/>
+                            <a:ea typeface="Cambria Math" panose="02040503050406030204" pitchFamily="18" charset="0"/>
+                          </a:rPr>
+                          <m:t>𝑢</m:t>
+                        </m:r>
+                      </m:num>
+                      <m:den>
+                        <m:r>
+                          <a:rPr lang="bg-BG" sz="3600" i="1">
+                            <a:latin typeface="Cambria Math" panose="02040503050406030204" pitchFamily="18" charset="0"/>
+                            <a:ea typeface="Cambria Math" panose="02040503050406030204" pitchFamily="18" charset="0"/>
+                          </a:rPr>
+                          <m:t>𝜕</m:t>
+                        </m:r>
+                        <m:r>
+                          <a:rPr lang="en-US" sz="3600" i="1">
+                            <a:latin typeface="Cambria Math" panose="02040503050406030204" pitchFamily="18" charset="0"/>
+                            <a:ea typeface="Cambria Math" panose="02040503050406030204" pitchFamily="18" charset="0"/>
+                          </a:rPr>
+                          <m:t>𝑡</m:t>
+                        </m:r>
+                      </m:den>
+                    </m:f>
+                    <m:r>
+                      <a:rPr lang="en-US" sz="3600" dirty="0">
+                        <a:latin typeface="Cambria Math" panose="02040503050406030204" pitchFamily="18" charset="0"/>
+                        <a:ea typeface="Cambria Math" panose="02040503050406030204" pitchFamily="18" charset="0"/>
+                      </a:rPr>
+                      <m:t>=</m:t>
+                    </m:r>
+                    <m:sSub>
+                      <m:sSubPr>
+                        <m:ctrlPr>
+                          <a:rPr lang="en-US" sz="3600" i="1" dirty="0">
+                            <a:latin typeface="Cambria Math" panose="02040503050406030204" pitchFamily="18" charset="0"/>
+                            <a:ea typeface="Cambria Math" panose="02040503050406030204" pitchFamily="18" charset="0"/>
+                          </a:rPr>
+                        </m:ctrlPr>
+                      </m:sSubPr>
+                      <m:e>
+                        <m:r>
+                          <a:rPr lang="en-US" sz="3600" i="1" dirty="0">
+                            <a:latin typeface="Cambria Math" panose="02040503050406030204" pitchFamily="18" charset="0"/>
+                            <a:ea typeface="Cambria Math" panose="02040503050406030204" pitchFamily="18" charset="0"/>
+                          </a:rPr>
+                          <m:t>𝐷</m:t>
+                        </m:r>
+                      </m:e>
+                      <m:sub>
+                        <m:r>
+                          <a:rPr lang="en-US" sz="3600" i="1" dirty="0">
+                            <a:latin typeface="Cambria Math" panose="02040503050406030204" pitchFamily="18" charset="0"/>
+                            <a:ea typeface="Cambria Math" panose="02040503050406030204" pitchFamily="18" charset="0"/>
+                          </a:rPr>
+                          <m:t>𝑢</m:t>
+                        </m:r>
+                      </m:sub>
+                    </m:sSub>
+                    <m:sSup>
+                      <m:sSupPr>
+                        <m:ctrlPr>
+                          <a:rPr lang="bg-BG" sz="3600" i="1">
+                            <a:latin typeface="Cambria Math" panose="02040503050406030204" pitchFamily="18" charset="0"/>
+                            <a:ea typeface="Cambria Math" panose="02040503050406030204" pitchFamily="18" charset="0"/>
+                          </a:rPr>
+                        </m:ctrlPr>
+                      </m:sSupPr>
+                      <m:e>
+                        <m:r>
+                          <m:rPr>
+                            <m:nor/>
+                          </m:rPr>
+                          <a:rPr lang="bg-BG" sz="3600">
+                            <a:latin typeface="Cambria Math" panose="02040503050406030204" pitchFamily="18" charset="0"/>
+                            <a:ea typeface="Cambria Math" panose="02040503050406030204" pitchFamily="18" charset="0"/>
+                          </a:rPr>
+                          <m:t>∇</m:t>
+                        </m:r>
+                      </m:e>
+                      <m:sup>
+                        <m:r>
+                          <a:rPr lang="en-US" sz="3600" i="1">
+                            <a:latin typeface="Cambria Math" panose="02040503050406030204" pitchFamily="18" charset="0"/>
+                            <a:ea typeface="Cambria Math" panose="02040503050406030204" pitchFamily="18" charset="0"/>
+                          </a:rPr>
+                          <m:t>2</m:t>
+                        </m:r>
+                      </m:sup>
+                    </m:sSup>
+                  </m:oMath>
+                </a14:m>
+                <a:r>
+                  <a:rPr lang="en-US" sz="3600" dirty="0">
+                    <a:latin typeface="Cambria Math" panose="02040503050406030204" pitchFamily="18" charset="0"/>
+                    <a:ea typeface="Cambria Math" panose="02040503050406030204" pitchFamily="18" charset="0"/>
+                  </a:rPr>
+                  <a:t>u </a:t>
+                </a:r>
+                <a:endParaRPr lang="bg-BG" sz="3600" dirty="0"/>
+              </a:p>
+            </p:txBody>
+          </p:sp>
+        </mc:Choice>
+        <mc:Fallback>
+          <p:sp>
+            <p:nvSpPr>
+              <p:cNvPr id="3" name="Rectangle 2"/>
+              <p:cNvSpPr>
+                <a:spLocks noRot="1" noChangeAspect="1" noMove="1" noResize="1" noEditPoints="1" noAdjustHandles="1" noChangeArrowheads="1" noChangeShapeType="1" noTextEdit="1"/>
+              </p:cNvSpPr>
+              <p:nvPr/>
+            </p:nvSpPr>
+            <p:spPr>
+              <a:xfrm>
+                <a:off x="4485280" y="2883955"/>
+                <a:ext cx="2747663" cy="906915"/>
+              </a:xfrm>
+              <a:prstGeom prst="rect">
+                <a:avLst/>
+              </a:prstGeom>
+              <a:blipFill>
+                <a:blip r:embed="rId4"/>
+                <a:stretch>
+                  <a:fillRect r="-443" b="-10067"/>
+                </a:stretch>
+              </a:blipFill>
+            </p:spPr>
+            <p:txBody>
+              <a:bodyPr/>
+              <a:lstStyle/>
+              <a:p>
+                <a:r>
+                  <a:rPr lang="bg-BG">
+                    <a:noFill/>
+                  </a:rPr>
+                  <a:t> </a:t>
+                </a:r>
+              </a:p>
+            </p:txBody>
+          </p:sp>
+        </mc:Fallback>
+      </mc:AlternateContent>
     </p:spTree>
     <p:extLst>
       <p:ext uri="{BB962C8B-B14F-4D97-AF65-F5344CB8AC3E}">
